--- a/信息学奥赛/提高组专题/拓扑排序/拓扑排序.pptx
+++ b/信息学奥赛/提高组专题/拓扑排序/拓扑排序.pptx
@@ -218,7 +218,7 @@
           <a:p>
             <a:fld id="{D2A48B96-639E-45A3-A0BA-2464DFDB1FAA}" type="datetimeFigureOut">
               <a:rPr lang="zh-CN" altLang="en-US" smtClean="0"/>
-              <a:t>2022/12/28</a:t>
+              <a:t>2023/2/15</a:t>
             </a:fld>
             <a:endParaRPr lang="zh-CN" altLang="en-US"/>
           </a:p>
@@ -1414,7 +1414,7 @@
           </a:ln>
           <a:extLst>
             <a:ext uri="{C572A759-6A51-4108-AA02-DFA0A04FC94B}">
-              <ma14:wrappingTextBoxFlag xmlns="" xmlns:m="http://schemas.openxmlformats.org/officeDocument/2006/math" xmlns:a14="http://schemas.microsoft.com/office/drawing/2010/main" xmlns:ma14="http://schemas.microsoft.com/office/mac/drawingml/2011/main" val="1"/>
+              <ma14:wrappingTextBoxFlag xmlns:ma14="http://schemas.microsoft.com/office/mac/drawingml/2011/main" xmlns:a14="http://schemas.microsoft.com/office/drawing/2010/main" xmlns:m="http://schemas.openxmlformats.org/officeDocument/2006/math" xmlns="" val="1"/>
             </a:ext>
           </a:extLst>
         </p:spPr>
@@ -1604,7 +1604,7 @@
           </a:ln>
           <a:extLst>
             <a:ext uri="{C572A759-6A51-4108-AA02-DFA0A04FC94B}">
-              <ma14:wrappingTextBoxFlag xmlns:ma14="http://schemas.microsoft.com/office/mac/drawingml/2011/main" xmlns:a14="http://schemas.microsoft.com/office/drawing/2010/main" xmlns:m="http://schemas.openxmlformats.org/officeDocument/2006/math" xmlns="" val="1"/>
+              <ma14:wrappingTextBoxFlag xmlns="" xmlns:m="http://schemas.openxmlformats.org/officeDocument/2006/math" xmlns:a14="http://schemas.microsoft.com/office/drawing/2010/main" xmlns:ma14="http://schemas.microsoft.com/office/mac/drawingml/2011/main" val="1"/>
             </a:ext>
           </a:extLst>
         </p:spPr>
